--- a/data/Scott Moore Capstone - Disc Golf.pptx
+++ b/data/Scott Moore Capstone - Disc Golf.pptx
@@ -798,7 +798,7 @@
             </a:pPr>
             <a:r>
               <a:rPr lang="en-US" dirty="0"/>
-              <a:t>Hello and welcome to the world of Disc Golf. I appreciate your time and without delay lets get into what makes this such an exciting sport. First off, this sport is generally open to the public and does not require a membership, team, or even a legitimate course to be played. If you have a basket or for that matter a target of any sort and a disc you can play anywhere. This sport can be bought at the store and played anywhere. No inherent skill is needed to play either. It does not mater if you are playing for the first time or for the thousand time. We all hit trees two feet in front of us.</a:t>
+              <a:t>Hello and welcome to the world of Disc Golf. Thank you for meeting with me today. Let’s dive into what makes this such an exciting sport. First off, this sport is generally open to the public and does not require a membership, team, or even a legitimate course to be played. If you have a basket or for that matter a target of any sort and a disc you can play anywhere. This sport can be bought at the store and played anywhere. No inherent skill is needed to play either. It does not mater if you are playing for the first time or for the thousand time. We all hit trees two feet in front of us.</a:t>
             </a:r>
             <a:endParaRPr dirty="0"/>
           </a:p>
@@ -5190,7 +5190,7 @@
         <p:fade thruBlk="1"/>
       </p:transition>
     </mc:Choice>
-    <mc:Fallback xmlns:ahyp="http://schemas.microsoft.com/office/drawing/2018/hyperlinkcolor" xmlns:p15="http://schemas.microsoft.com/office/powerpoint/2012/main" xmlns:com="http://schemas.openxmlformats.org/drawingml/2006/compatibility" xmlns:pvml="urn:schemas-microsoft-com:office:powerpoint" xmlns:v="urn:schemas-microsoft-com:vml" xmlns:o="urn:schemas-microsoft-com:office:office" xmlns:dgm="http://schemas.openxmlformats.org/drawingml/2006/diagram" xmlns:c="http://schemas.openxmlformats.org/drawingml/2006/chart" xmlns:mv="urn:schemas-microsoft-com:mac:vml" xmlns="">
+    <mc:Fallback xmlns="" xmlns:mv="urn:schemas-microsoft-com:mac:vml" xmlns:c="http://schemas.openxmlformats.org/drawingml/2006/chart" xmlns:dgm="http://schemas.openxmlformats.org/drawingml/2006/diagram" xmlns:o="urn:schemas-microsoft-com:office:office" xmlns:v="urn:schemas-microsoft-com:vml" xmlns:pvml="urn:schemas-microsoft-com:office:powerpoint" xmlns:com="http://schemas.openxmlformats.org/drawingml/2006/compatibility" xmlns:p15="http://schemas.microsoft.com/office/powerpoint/2012/main" xmlns:ahyp="http://schemas.microsoft.com/office/drawing/2018/hyperlinkcolor">
       <p:transition spd="slow">
         <p:fade/>
       </p:transition>
